--- a/site/week-2/week-2.en.md_word.pptx
+++ b/site/week-2/week-2.en.md_word.pptx
@@ -3122,14 +3122,14 @@
           <a:bodyPr/>
           <a:lstStyle/>
           <a:p>
+            <a:pPr marL="0" lvl="0" indent="0">
+              <a:buNone/>
+            </a:pPr>
             <a:r>
               <a:rPr lang="en-GB" dirty="0"/>
               <a:t>CE103 - Algorithms And Programming I</a:t>
             </a:r>
-            <a:br>
-              <a:rPr lang="tr-TR" dirty="0"/>
-            </a:br>
-            <a:endParaRPr dirty="0"/>
+            <a:endParaRPr lang="tr-TR" dirty="0"/>
           </a:p>
         </p:txBody>
       </p:sp>
@@ -3244,10 +3244,10 @@
       </p:sp>
       <p:pic>
         <p:nvPicPr>
-          <p:cNvPr id="6" name="Resim 5">
+          <p:cNvPr id="4" name="Resim 3">
             <a:extLst>
               <a:ext uri="{FF2B5EF4-FFF2-40B4-BE49-F238E27FC236}">
-                <a16:creationId xmlns:a16="http://schemas.microsoft.com/office/drawing/2014/main" id="{42222392-355C-5CBB-7003-C1D3FFD9E6F2}"/>
+                <a16:creationId xmlns:a16="http://schemas.microsoft.com/office/drawing/2014/main" id="{4F5B2ABC-8876-9151-D45F-E5C05BAE8F1E}"/>
               </a:ext>
             </a:extLst>
           </p:cNvPr>
@@ -3264,8 +3264,8 @@
         </p:blipFill>
         <p:spPr>
           <a:xfrm>
-            <a:off x="2706623" y="615669"/>
-            <a:ext cx="5102991" cy="3978954"/>
+            <a:off x="3182111" y="548877"/>
+            <a:ext cx="4656145" cy="3630535"/>
           </a:xfrm>
           <a:prstGeom prst="rect">
             <a:avLst/>
@@ -3319,22 +3319,15 @@
               <a:buNone/>
             </a:pPr>
             <a:r>
-              <a:rPr b="1"/>
+              <a:rPr b="1" dirty="0"/>
               <a:t>Linked-List</a:t>
             </a:r>
           </a:p>
           <a:p>
             <a:pPr lvl="0"/>
             <a:r>
+              <a:rPr dirty="0"/>
               <a:t>Linked lists are structures that allow us to keep data without having to side by side. We do not need to open a new area in memory for the new element. Unlike Array, yes elements can be scattered in the memory, but the last element has to give its address to the previous element.</a:t>
-            </a:r>
-          </a:p>
-          <a:p>
-            <a:pPr marL="342900" lvl="1" indent="0">
-              <a:buNone/>
-            </a:pPr>
-            <a:r>
-              <a:t>bg right:50% h:400px</a:t>
             </a:r>
           </a:p>
         </p:txBody>
@@ -3590,6 +3583,28 @@
       </p:grpSpPr>
       <p:sp>
         <p:nvSpPr>
+          <p:cNvPr id="2" name="Title 1"/>
+          <p:cNvSpPr>
+            <a:spLocks noGrp="1"/>
+          </p:cNvSpPr>
+          <p:nvPr>
+            <p:ph type="title"/>
+          </p:nvPr>
+        </p:nvSpPr>
+        <p:spPr/>
+        <p:txBody>
+          <a:bodyPr/>
+          <a:lstStyle/>
+          <a:p>
+            <a:pPr marL="0" lvl="0" indent="0">
+              <a:buNone/>
+            </a:pPr>
+            <a:endParaRPr dirty="0"/>
+          </a:p>
+        </p:txBody>
+      </p:sp>
+      <p:sp>
+        <p:nvSpPr>
           <p:cNvPr id="3" name="Content Placeholder 2"/>
           <p:cNvSpPr>
             <a:spLocks noGrp="1"/>
@@ -3610,7 +3625,7 @@
               <a:buNone/>
             </a:pPr>
             <a:r>
-              <a:rPr b="1" dirty="0"/>
+              <a:rPr b="1"/>
               <a:t>Week-2 (Data Structures and Algorithms)</a:t>
             </a:r>
           </a:p>
@@ -3622,7 +3637,7 @@
               <a:buNone/>
             </a:pPr>
             <a:r>
-              <a:rPr b="1" dirty="0"/>
+              <a:rPr b="1"/>
               <a:t>Spring Semester, 2022-2023</a:t>
             </a:r>
           </a:p>
@@ -3631,60 +3646,32 @@
               <a:buNone/>
             </a:pPr>
             <a:r>
-              <a:rPr dirty="0"/>
               <a:t>Download </a:t>
             </a:r>
             <a:r>
-              <a:rPr dirty="0">
+              <a:rPr>
                 <a:hlinkClick r:id="rId2"/>
               </a:rPr>
               <a:t>DOC</a:t>
             </a:r>
             <a:r>
-              <a:rPr dirty="0"/>
               <a:t>, </a:t>
             </a:r>
             <a:r>
-              <a:rPr dirty="0">
+              <a:rPr>
                 <a:hlinkClick r:id="rId3"/>
               </a:rPr>
               <a:t>SLIDE</a:t>
             </a:r>
             <a:r>
-              <a:rPr dirty="0"/>
               <a:t>, </a:t>
             </a:r>
             <a:r>
-              <a:rPr dirty="0">
+              <a:rPr>
                 <a:hlinkClick r:id="rId4"/>
               </a:rPr>
               <a:t>PPTX</a:t>
             </a:r>
-          </a:p>
-        </p:txBody>
-      </p:sp>
-      <p:sp>
-        <p:nvSpPr>
-          <p:cNvPr id="5" name="Başlık 4">
-            <a:extLst>
-              <a:ext uri="{FF2B5EF4-FFF2-40B4-BE49-F238E27FC236}">
-                <a16:creationId xmlns:a16="http://schemas.microsoft.com/office/drawing/2014/main" id="{EA23B190-B067-0916-E17C-A650A0EA2EEA}"/>
-              </a:ext>
-            </a:extLst>
-          </p:cNvPr>
-          <p:cNvSpPr>
-            <a:spLocks noGrp="1"/>
-          </p:cNvSpPr>
-          <p:nvPr>
-            <p:ph type="title"/>
-          </p:nvPr>
-        </p:nvSpPr>
-        <p:spPr/>
-        <p:txBody>
-          <a:bodyPr/>
-          <a:lstStyle/>
-          <a:p>
-            <a:endParaRPr lang="tr-TR"/>
           </a:p>
         </p:txBody>
       </p:sp>
@@ -3735,39 +3722,31 @@
               <a:buNone/>
             </a:pPr>
             <a:r>
-              <a:rPr b="1" dirty="0"/>
+              <a:rPr b="1"/>
               <a:t>Outline</a:t>
             </a:r>
           </a:p>
           <a:p>
             <a:pPr lvl="0"/>
-            <a:endParaRPr lang="tr-TR" dirty="0"/>
+            <a:r>
+              <a:t>What is an Algorithm?</a:t>
+            </a:r>
           </a:p>
           <a:p>
             <a:pPr lvl="0"/>
             <a:r>
-              <a:rPr dirty="0"/>
-              <a:t>What is an Algorithm?</a:t>
+              <a:t>Expression of Information on the Computer</a:t>
             </a:r>
           </a:p>
           <a:p>
             <a:pPr lvl="0"/>
             <a:r>
-              <a:rPr dirty="0"/>
-              <a:t>Expression of Information on the Computer</a:t>
+              <a:t>Arrays</a:t>
             </a:r>
           </a:p>
           <a:p>
             <a:pPr lvl="0"/>
             <a:r>
-              <a:rPr dirty="0"/>
-              <a:t>Arrays</a:t>
-            </a:r>
-          </a:p>
-          <a:p>
-            <a:pPr lvl="0"/>
-            <a:r>
-              <a:rPr dirty="0"/>
               <a:t>Linked-List</a:t>
             </a:r>
           </a:p>
@@ -3810,8 +3789,8 @@
         </p:nvSpPr>
         <p:spPr>
           <a:xfrm>
-            <a:off x="-984505" y="2128266"/>
-            <a:ext cx="5290511" cy="857250"/>
+            <a:off x="-914400" y="2339579"/>
+            <a:ext cx="5297424" cy="857250"/>
           </a:xfrm>
         </p:spPr>
         <p:txBody>
@@ -3991,14 +3970,11 @@
             <p:ph type="body" sz="half" idx="2"/>
           </p:nvPr>
         </p:nvSpPr>
-        <p:spPr>
-          <a:xfrm>
-            <a:off x="457201" y="475786"/>
-            <a:ext cx="3008313" cy="4118838"/>
-          </a:xfrm>
-        </p:spPr>
-        <p:txBody>
-          <a:bodyPr/>
+        <p:spPr/>
+        <p:txBody>
+          <a:bodyPr>
+            <a:normAutofit/>
+          </a:bodyPr>
           <a:lstStyle/>
           <a:p>
             <a:pPr marL="0" lvl="0" indent="0">
@@ -4014,17 +3990,9 @@
           </a:p>
           <a:p>
             <a:pPr lvl="0"/>
-            <a:endParaRPr lang="tr-TR" sz="2000" dirty="0"/>
-          </a:p>
-          <a:p>
-            <a:pPr lvl="0"/>
             <a:r>
               <a:rPr sz="2000" dirty="0"/>
-              <a:t>When a person wants to express himself, he uses a native language, right? The computer also uses binary numbers (Binary Numbers) consisting of bits (0 and 1) to express information (Picture, sound, text, etc.) and to provide the loop</a:t>
-            </a:r>
-            <a:r>
-              <a:rPr dirty="0"/>
-              <a:t>.</a:t>
+              <a:t>When a person wants to express himself, he uses a native language, right? The computer also uses binary numbers (Binary Numbers) consisting of bits (0 and 1) to express information (Picture, sound, text, etc.) and to provide the loop.</a:t>
             </a:r>
           </a:p>
         </p:txBody>
@@ -4045,7 +4013,7 @@
         </p:blipFill>
         <p:spPr bwMode="auto">
           <a:xfrm>
-            <a:off x="3828895" y="1136650"/>
+            <a:off x="3568700" y="711200"/>
             <a:ext cx="5105400" cy="2870200"/>
           </a:xfrm>
           <a:prstGeom prst="rect">
@@ -4059,6 +4027,33 @@
           </a:ln>
         </p:spPr>
       </p:pic>
+      <p:sp>
+        <p:nvSpPr>
+          <p:cNvPr id="3" name="TextBox 3"/>
+          <p:cNvSpPr txBox="1"/>
+          <p:nvPr/>
+        </p:nvSpPr>
+        <p:spPr>
+          <a:xfrm>
+            <a:off x="3568700" y="4076700"/>
+            <a:ext cx="5105400" cy="508000"/>
+          </a:xfrm>
+          <a:prstGeom prst="rect">
+            <a:avLst/>
+          </a:prstGeom>
+          <a:noFill/>
+        </p:spPr>
+        <p:txBody>
+          <a:bodyPr/>
+          <a:lstStyle/>
+          <a:p>
+            <a:pPr marL="0" lvl="0" indent="0" algn="ctr">
+              <a:buNone/>
+            </a:pPr>
+            <a:endParaRPr dirty="0"/>
+          </a:p>
+        </p:txBody>
+      </p:sp>
     </p:spTree>
   </p:cSld>
   <p:clrMapOvr>
@@ -4155,13 +4150,13 @@
         </p:nvSpPr>
         <p:spPr>
           <a:xfrm>
-            <a:off x="457200" y="731800"/>
+            <a:off x="457200" y="261367"/>
             <a:ext cx="8229600" cy="3394472"/>
           </a:xfrm>
         </p:spPr>
         <p:txBody>
           <a:bodyPr>
-            <a:normAutofit fontScale="85000" lnSpcReduction="10000"/>
+            <a:normAutofit fontScale="92500" lnSpcReduction="20000"/>
           </a:bodyPr>
           <a:lstStyle/>
           <a:p>
@@ -4175,10 +4170,6 @@
               <a:rPr b="1" dirty="0"/>
               <a:t>Arrays</a:t>
             </a:r>
-          </a:p>
-          <a:p>
-            <a:pPr lvl="0"/>
-            <a:endParaRPr lang="tr-TR" dirty="0"/>
           </a:p>
           <a:p>
             <a:pPr lvl="0"/>

--- a/site/week-2/week-2.en.md_word.pptx
+++ b/site/week-2/week-2.en.md_word.pptx
@@ -1,6 +1,6 @@
 
 <file path=ppt/presentation.xml><?xml version="1.0" encoding="utf-8"?>
-<p:presentation xmlns:a="http://schemas.openxmlformats.org/drawingml/2006/main" xmlns:r="http://schemas.openxmlformats.org/officeDocument/2006/relationships" xmlns:p="http://schemas.openxmlformats.org/presentationml/2006/main" saveSubsetFonts="1" autoCompressPictures="0">
+<p:presentation xmlns:a="http://schemas.openxmlformats.org/drawingml/2006/main" xmlns:p="http://schemas.openxmlformats.org/presentationml/2006/main" xmlns:r="http://schemas.openxmlformats.org/officeDocument/2006/relationships" autoCompressPictures="0" saveSubsetFonts="1">
   <p:sldMasterIdLst>
     <p:sldMasterId id="2147483648" r:id="rId1"/>
   </p:sldMasterIdLst>
@@ -25,8 +25,8 @@
     <a:defPPr>
       <a:defRPr lang="en-US"/>
     </a:defPPr>
-    <a:lvl1pPr marL="0" algn="l" defTabSz="457200" rtl="0" eaLnBrk="1" latinLnBrk="0" hangingPunct="1">
-      <a:defRPr sz="1800" kern="1200">
+    <a:lvl1pPr algn="l" defTabSz="457200" eaLnBrk="1" hangingPunct="1" latinLnBrk="0" marL="0" rtl="0">
+      <a:defRPr kern="1200" sz="1800">
         <a:solidFill>
           <a:schemeClr val="tx1"/>
         </a:solidFill>
@@ -35,8 +35,8 @@
         <a:cs typeface="+mn-cs"/>
       </a:defRPr>
     </a:lvl1pPr>
-    <a:lvl2pPr marL="457200" algn="l" defTabSz="457200" rtl="0" eaLnBrk="1" latinLnBrk="0" hangingPunct="1">
-      <a:defRPr sz="1800" kern="1200">
+    <a:lvl2pPr algn="l" defTabSz="457200" eaLnBrk="1" hangingPunct="1" latinLnBrk="0" marL="457200" rtl="0">
+      <a:defRPr kern="1200" sz="1800">
         <a:solidFill>
           <a:schemeClr val="tx1"/>
         </a:solidFill>
@@ -45,8 +45,8 @@
         <a:cs typeface="+mn-cs"/>
       </a:defRPr>
     </a:lvl2pPr>
-    <a:lvl3pPr marL="914400" algn="l" defTabSz="457200" rtl="0" eaLnBrk="1" latinLnBrk="0" hangingPunct="1">
-      <a:defRPr sz="1800" kern="1200">
+    <a:lvl3pPr algn="l" defTabSz="457200" eaLnBrk="1" hangingPunct="1" latinLnBrk="0" marL="914400" rtl="0">
+      <a:defRPr kern="1200" sz="1800">
         <a:solidFill>
           <a:schemeClr val="tx1"/>
         </a:solidFill>
@@ -55,8 +55,8 @@
         <a:cs typeface="+mn-cs"/>
       </a:defRPr>
     </a:lvl3pPr>
-    <a:lvl4pPr marL="1371600" algn="l" defTabSz="457200" rtl="0" eaLnBrk="1" latinLnBrk="0" hangingPunct="1">
-      <a:defRPr sz="1800" kern="1200">
+    <a:lvl4pPr algn="l" defTabSz="457200" eaLnBrk="1" hangingPunct="1" latinLnBrk="0" marL="1371600" rtl="0">
+      <a:defRPr kern="1200" sz="1800">
         <a:solidFill>
           <a:schemeClr val="tx1"/>
         </a:solidFill>
@@ -65,8 +65,8 @@
         <a:cs typeface="+mn-cs"/>
       </a:defRPr>
     </a:lvl4pPr>
-    <a:lvl5pPr marL="1828800" algn="l" defTabSz="457200" rtl="0" eaLnBrk="1" latinLnBrk="0" hangingPunct="1">
-      <a:defRPr sz="1800" kern="1200">
+    <a:lvl5pPr algn="l" defTabSz="457200" eaLnBrk="1" hangingPunct="1" latinLnBrk="0" marL="1828800" rtl="0">
+      <a:defRPr kern="1200" sz="1800">
         <a:solidFill>
           <a:schemeClr val="tx1"/>
         </a:solidFill>
@@ -75,8 +75,8 @@
         <a:cs typeface="+mn-cs"/>
       </a:defRPr>
     </a:lvl5pPr>
-    <a:lvl6pPr marL="2286000" algn="l" defTabSz="457200" rtl="0" eaLnBrk="1" latinLnBrk="0" hangingPunct="1">
-      <a:defRPr sz="1800" kern="1200">
+    <a:lvl6pPr algn="l" defTabSz="457200" eaLnBrk="1" hangingPunct="1" latinLnBrk="0" marL="2286000" rtl="0">
+      <a:defRPr kern="1200" sz="1800">
         <a:solidFill>
           <a:schemeClr val="tx1"/>
         </a:solidFill>
@@ -85,8 +85,8 @@
         <a:cs typeface="+mn-cs"/>
       </a:defRPr>
     </a:lvl6pPr>
-    <a:lvl7pPr marL="2743200" algn="l" defTabSz="457200" rtl="0" eaLnBrk="1" latinLnBrk="0" hangingPunct="1">
-      <a:defRPr sz="1800" kern="1200">
+    <a:lvl7pPr algn="l" defTabSz="457200" eaLnBrk="1" hangingPunct="1" latinLnBrk="0" marL="2743200" rtl="0">
+      <a:defRPr kern="1200" sz="1800">
         <a:solidFill>
           <a:schemeClr val="tx1"/>
         </a:solidFill>
@@ -95,8 +95,8 @@
         <a:cs typeface="+mn-cs"/>
       </a:defRPr>
     </a:lvl7pPr>
-    <a:lvl8pPr marL="3200400" algn="l" defTabSz="457200" rtl="0" eaLnBrk="1" latinLnBrk="0" hangingPunct="1">
-      <a:defRPr sz="1800" kern="1200">
+    <a:lvl8pPr algn="l" defTabSz="457200" eaLnBrk="1" hangingPunct="1" latinLnBrk="0" marL="3200400" rtl="0">
+      <a:defRPr kern="1200" sz="1800">
         <a:solidFill>
           <a:schemeClr val="tx1"/>
         </a:solidFill>
@@ -105,8 +105,8 @@
         <a:cs typeface="+mn-cs"/>
       </a:defRPr>
     </a:lvl8pPr>
-    <a:lvl9pPr marL="3657600" algn="l" defTabSz="457200" rtl="0" eaLnBrk="1" latinLnBrk="0" hangingPunct="1">
-      <a:defRPr sz="1800" kern="1200">
+    <a:lvl9pPr algn="l" defTabSz="457200" eaLnBrk="1" hangingPunct="1" latinLnBrk="0" marL="3657600" rtl="0">
+      <a:defRPr kern="1200" sz="1800">
         <a:solidFill>
           <a:schemeClr val="tx1"/>
         </a:solidFill>
@@ -314,7 +314,7 @@
           <a:p>
             <a:fld id="{241EB5C9-1307-BA42-ABA2-0BC069CD8E7F}" type="datetimeFigureOut">
               <a:rPr lang="en-US" smtClean="0"/>
-              <a:t>10/18/2022</a:t>
+              <a:t>1/2/22</a:t>
             </a:fld>
             <a:endParaRPr lang="en-US"/>
           </a:p>
@@ -482,7 +482,7 @@
           <a:p>
             <a:fld id="{241EB5C9-1307-BA42-ABA2-0BC069CD8E7F}" type="datetimeFigureOut">
               <a:rPr lang="en-US" smtClean="0"/>
-              <a:t>10/18/2022</a:t>
+              <a:t>1/2/22</a:t>
             </a:fld>
             <a:endParaRPr lang="en-US"/>
           </a:p>
@@ -660,7 +660,7 @@
           <a:p>
             <a:fld id="{241EB5C9-1307-BA42-ABA2-0BC069CD8E7F}" type="datetimeFigureOut">
               <a:rPr lang="en-US" smtClean="0"/>
-              <a:t>10/18/2022</a:t>
+              <a:t>1/2/22</a:t>
             </a:fld>
             <a:endParaRPr lang="en-US"/>
           </a:p>
@@ -828,7 +828,7 @@
           <a:p>
             <a:fld id="{241EB5C9-1307-BA42-ABA2-0BC069CD8E7F}" type="datetimeFigureOut">
               <a:rPr lang="en-US" smtClean="0"/>
-              <a:t>10/18/2022</a:t>
+              <a:t>1/2/22</a:t>
             </a:fld>
             <a:endParaRPr lang="en-US"/>
           </a:p>
@@ -1073,7 +1073,7 @@
           <a:p>
             <a:fld id="{241EB5C9-1307-BA42-ABA2-0BC069CD8E7F}" type="datetimeFigureOut">
               <a:rPr lang="en-US" smtClean="0"/>
-              <a:t>10/18/2022</a:t>
+              <a:t>1/2/22</a:t>
             </a:fld>
             <a:endParaRPr lang="en-US"/>
           </a:p>
@@ -1358,7 +1358,7 @@
           <a:p>
             <a:fld id="{241EB5C9-1307-BA42-ABA2-0BC069CD8E7F}" type="datetimeFigureOut">
               <a:rPr lang="en-US" smtClean="0"/>
-              <a:t>10/18/2022</a:t>
+              <a:t>1/2/22</a:t>
             </a:fld>
             <a:endParaRPr lang="en-US"/>
           </a:p>
@@ -1777,7 +1777,7 @@
           <a:p>
             <a:fld id="{241EB5C9-1307-BA42-ABA2-0BC069CD8E7F}" type="datetimeFigureOut">
               <a:rPr lang="en-US" smtClean="0"/>
-              <a:t>10/18/2022</a:t>
+              <a:t>1/2/22</a:t>
             </a:fld>
             <a:endParaRPr lang="en-US"/>
           </a:p>
@@ -1894,7 +1894,7 @@
           <a:p>
             <a:fld id="{241EB5C9-1307-BA42-ABA2-0BC069CD8E7F}" type="datetimeFigureOut">
               <a:rPr lang="en-US" smtClean="0"/>
-              <a:t>10/18/2022</a:t>
+              <a:t>1/2/22</a:t>
             </a:fld>
             <a:endParaRPr lang="en-US"/>
           </a:p>
@@ -1989,7 +1989,7 @@
           <a:p>
             <a:fld id="{241EB5C9-1307-BA42-ABA2-0BC069CD8E7F}" type="datetimeFigureOut">
               <a:rPr lang="en-US" smtClean="0"/>
-              <a:t>10/18/2022</a:t>
+              <a:t>1/2/22</a:t>
             </a:fld>
             <a:endParaRPr lang="en-US"/>
           </a:p>
@@ -2264,7 +2264,7 @@
           <a:p>
             <a:fld id="{241EB5C9-1307-BA42-ABA2-0BC069CD8E7F}" type="datetimeFigureOut">
               <a:rPr lang="en-US" smtClean="0"/>
-              <a:t>10/18/2022</a:t>
+              <a:t>1/2/22</a:t>
             </a:fld>
             <a:endParaRPr lang="en-US"/>
           </a:p>
@@ -2516,7 +2516,7 @@
           <a:p>
             <a:fld id="{241EB5C9-1307-BA42-ABA2-0BC069CD8E7F}" type="datetimeFigureOut">
               <a:rPr lang="en-US" smtClean="0"/>
-              <a:t>10/18/2022</a:t>
+              <a:t>1/2/22</a:t>
             </a:fld>
             <a:endParaRPr lang="en-US"/>
           </a:p>
@@ -2578,7 +2578,7 @@
 </file>
 
 <file path=ppt/slideMasters/slideMaster1.xml><?xml version="1.0" encoding="utf-8"?>
-<p:sldMaster xmlns:a="http://schemas.openxmlformats.org/drawingml/2006/main" xmlns:r="http://schemas.openxmlformats.org/officeDocument/2006/relationships" xmlns:p="http://schemas.openxmlformats.org/presentationml/2006/main">
+<p:sldMaster xmlns:a="http://schemas.openxmlformats.org/drawingml/2006/main" xmlns:p="http://schemas.openxmlformats.org/presentationml/2006/main" xmlns:r="http://schemas.openxmlformats.org/officeDocument/2006/relationships">
   <p:cSld>
     <p:bg>
       <p:bgRef idx="1001">
@@ -2619,7 +2619,7 @@
           </a:prstGeom>
         </p:spPr>
         <p:txBody>
-          <a:bodyPr vert="horz" lIns="91440" tIns="45720" rIns="91440" bIns="45720" rtlCol="0" anchor="ctr">
+          <a:bodyPr anchor="ctr" bIns="45720" lIns="91440" rIns="91440" rtlCol="0" tIns="45720" vert="horz">
             <a:normAutofit/>
           </a:bodyPr>
           <a:lstStyle/>
@@ -2638,7 +2638,7 @@
             <a:spLocks noGrp="1"/>
           </p:cNvSpPr>
           <p:nvPr>
-            <p:ph type="body" idx="1"/>
+            <p:ph idx="1" type="body"/>
           </p:nvPr>
         </p:nvSpPr>
         <p:spPr>
@@ -2651,7 +2651,7 @@
           </a:prstGeom>
         </p:spPr>
         <p:txBody>
-          <a:bodyPr vert="horz" lIns="91440" tIns="45720" rIns="91440" bIns="45720" rtlCol="0">
+          <a:bodyPr bIns="45720" lIns="91440" rIns="91440" rtlCol="0" tIns="45720" vert="horz">
             <a:normAutofit/>
           </a:bodyPr>
           <a:lstStyle/>
@@ -2699,7 +2699,7 @@
             <a:spLocks noGrp="1"/>
           </p:cNvSpPr>
           <p:nvPr>
-            <p:ph type="dt" sz="half" idx="2"/>
+            <p:ph idx="2" sz="half" type="dt"/>
           </p:nvPr>
         </p:nvSpPr>
         <p:spPr>
@@ -2712,7 +2712,7 @@
           </a:prstGeom>
         </p:spPr>
         <p:txBody>
-          <a:bodyPr vert="horz" lIns="91440" tIns="45720" rIns="91440" bIns="45720" rtlCol="0" anchor="ctr"/>
+          <a:bodyPr anchor="ctr" bIns="45720" lIns="91440" rIns="91440" rtlCol="0" tIns="45720" vert="horz"/>
           <a:lstStyle>
             <a:lvl1pPr algn="l">
               <a:defRPr sz="900">
@@ -2727,7 +2727,7 @@
           <a:p>
             <a:fld id="{241EB5C9-1307-BA42-ABA2-0BC069CD8E7F}" type="datetimeFigureOut">
               <a:rPr lang="en-US" smtClean="0"/>
-              <a:t>10/18/2022</a:t>
+              <a:t>1/2/22</a:t>
             </a:fld>
             <a:endParaRPr lang="en-US"/>
           </a:p>
@@ -2740,7 +2740,7 @@
             <a:spLocks noGrp="1"/>
           </p:cNvSpPr>
           <p:nvPr>
-            <p:ph type="ftr" sz="quarter" idx="3"/>
+            <p:ph idx="3" sz="quarter" type="ftr"/>
           </p:nvPr>
         </p:nvSpPr>
         <p:spPr>
@@ -2753,7 +2753,7 @@
           </a:prstGeom>
         </p:spPr>
         <p:txBody>
-          <a:bodyPr vert="horz" lIns="91440" tIns="45720" rIns="91440" bIns="45720" rtlCol="0" anchor="ctr"/>
+          <a:bodyPr anchor="ctr" bIns="45720" lIns="91440" rIns="91440" rtlCol="0" tIns="45720" vert="horz"/>
           <a:lstStyle>
             <a:lvl1pPr algn="ctr">
               <a:defRPr sz="900">
@@ -2777,7 +2777,7 @@
             <a:spLocks noGrp="1"/>
           </p:cNvSpPr>
           <p:nvPr>
-            <p:ph type="sldNum" sz="quarter" idx="4"/>
+            <p:ph idx="4" sz="quarter" type="sldNum"/>
           </p:nvPr>
         </p:nvSpPr>
         <p:spPr>
@@ -2790,7 +2790,7 @@
           </a:prstGeom>
         </p:spPr>
         <p:txBody>
-          <a:bodyPr vert="horz" lIns="91440" tIns="45720" rIns="91440" bIns="45720" rtlCol="0" anchor="ctr"/>
+          <a:bodyPr anchor="ctr" bIns="45720" lIns="91440" rIns="91440" rtlCol="0" tIns="45720" vert="horz"/>
           <a:lstStyle>
             <a:lvl1pPr algn="r">
               <a:defRPr sz="900">
@@ -2818,7 +2818,7 @@
       </p:ext>
     </p:extLst>
   </p:cSld>
-  <p:clrMap bg1="lt1" tx1="dk1" bg2="lt2" tx2="dk2" accent1="accent1" accent2="accent2" accent3="accent3" accent4="accent4" accent5="accent5" accent6="accent6" hlink="hlink" folHlink="folHlink"/>
+  <p:clrMap accent1="accent1" accent2="accent2" accent3="accent3" accent4="accent4" accent5="accent5" accent6="accent6" bg1="lt1" bg2="lt2" folHlink="folHlink" hlink="hlink" tx1="dk1" tx2="dk2"/>
   <p:sldLayoutIdLst>
     <p:sldLayoutId id="2147483649" r:id="rId1"/>
     <p:sldLayoutId id="2147483650" r:id="rId2"/>
@@ -2834,12 +2834,12 @@
   </p:sldLayoutIdLst>
   <p:txStyles>
     <p:titleStyle>
-      <a:lvl1pPr algn="ctr" defTabSz="342900" rtl="0" eaLnBrk="1" latinLnBrk="0" hangingPunct="1">
+      <a:lvl1pPr algn="ctr" defTabSz="342900" eaLnBrk="1" hangingPunct="1" latinLnBrk="0" rtl="0">
         <a:spcBef>
           <a:spcPct val="0"/>
         </a:spcBef>
         <a:buNone/>
-        <a:defRPr sz="3300" kern="1200">
+        <a:defRPr kern="1200" sz="3300">
           <a:solidFill>
             <a:schemeClr val="tx1"/>
           </a:solidFill>
@@ -2850,13 +2850,13 @@
       </a:lvl1pPr>
     </p:titleStyle>
     <p:bodyStyle>
-      <a:lvl1pPr marL="342900" indent="-342900" algn="l" defTabSz="342900" rtl="0" eaLnBrk="1" latinLnBrk="0" hangingPunct="1">
+      <a:lvl1pPr algn="l" defTabSz="342900" eaLnBrk="1" hangingPunct="1" indent="-342900" latinLnBrk="0" marL="342900" rtl="0">
         <a:spcBef>
           <a:spcPct val="20000"/>
         </a:spcBef>
         <a:buFont typeface="Arial"/>
         <a:buChar char="•"/>
-        <a:defRPr sz="2400" kern="1200">
+        <a:defRPr kern="1200" sz="2400">
           <a:solidFill>
             <a:schemeClr val="tx1"/>
           </a:solidFill>
@@ -2865,13 +2865,13 @@
           <a:cs typeface="+mn-cs"/>
         </a:defRPr>
       </a:lvl1pPr>
-      <a:lvl2pPr marL="685800" indent="-342900" algn="l" defTabSz="342900" rtl="0" eaLnBrk="1" latinLnBrk="0" hangingPunct="1">
+      <a:lvl2pPr algn="l" defTabSz="342900" eaLnBrk="1" hangingPunct="1" indent="-342900" latinLnBrk="0" marL="685800" rtl="0">
         <a:spcBef>
           <a:spcPct val="20000"/>
         </a:spcBef>
         <a:buFont typeface="Arial"/>
         <a:buChar char="–"/>
-        <a:defRPr sz="2100" kern="1200">
+        <a:defRPr kern="1200" sz="2100">
           <a:solidFill>
             <a:schemeClr val="tx1"/>
           </a:solidFill>
@@ -2880,13 +2880,13 @@
           <a:cs typeface="+mn-cs"/>
         </a:defRPr>
       </a:lvl2pPr>
-      <a:lvl3pPr marL="1028700" indent="-342900" algn="l" defTabSz="342900" rtl="0" eaLnBrk="1" latinLnBrk="0" hangingPunct="1">
+      <a:lvl3pPr algn="l" defTabSz="342900" eaLnBrk="1" hangingPunct="1" indent="-342900" latinLnBrk="0" marL="1028700" rtl="0">
         <a:spcBef>
           <a:spcPct val="20000"/>
         </a:spcBef>
         <a:buFont typeface="Arial"/>
         <a:buChar char="•"/>
-        <a:defRPr sz="1800" kern="1200">
+        <a:defRPr kern="1200" sz="1800">
           <a:solidFill>
             <a:schemeClr val="tx1"/>
           </a:solidFill>
@@ -2895,13 +2895,13 @@
           <a:cs typeface="+mn-cs"/>
         </a:defRPr>
       </a:lvl3pPr>
-      <a:lvl4pPr marL="1371600" indent="-342900" algn="l" defTabSz="342900" rtl="0" eaLnBrk="1" latinLnBrk="0" hangingPunct="1">
+      <a:lvl4pPr algn="l" defTabSz="342900" eaLnBrk="1" hangingPunct="1" indent="-342900" latinLnBrk="0" marL="1371600" rtl="0">
         <a:spcBef>
           <a:spcPct val="20000"/>
         </a:spcBef>
         <a:buFont typeface="Arial"/>
         <a:buChar char="–"/>
-        <a:defRPr sz="1500" kern="1200">
+        <a:defRPr kern="1200" sz="1500">
           <a:solidFill>
             <a:schemeClr val="tx1"/>
           </a:solidFill>
@@ -2910,13 +2910,13 @@
           <a:cs typeface="+mn-cs"/>
         </a:defRPr>
       </a:lvl4pPr>
-      <a:lvl5pPr marL="1714500" indent="-342900" algn="l" defTabSz="342900" rtl="0" eaLnBrk="1" latinLnBrk="0" hangingPunct="1">
+      <a:lvl5pPr algn="l" defTabSz="342900" eaLnBrk="1" hangingPunct="1" indent="-342900" latinLnBrk="0" marL="1714500" rtl="0">
         <a:spcBef>
           <a:spcPct val="20000"/>
         </a:spcBef>
         <a:buFont typeface="Arial"/>
         <a:buChar char="»"/>
-        <a:defRPr sz="1500" kern="1200">
+        <a:defRPr kern="1200" sz="1500">
           <a:solidFill>
             <a:schemeClr val="tx1"/>
           </a:solidFill>
@@ -2925,13 +2925,13 @@
           <a:cs typeface="+mn-cs"/>
         </a:defRPr>
       </a:lvl5pPr>
-      <a:lvl6pPr marL="2057400" indent="-342900" algn="l" defTabSz="342900" rtl="0" eaLnBrk="1" latinLnBrk="0" hangingPunct="1">
+      <a:lvl6pPr algn="l" defTabSz="342900" eaLnBrk="1" hangingPunct="1" indent="-342900" latinLnBrk="0" marL="2057400" rtl="0">
         <a:spcBef>
           <a:spcPct val="20000"/>
         </a:spcBef>
         <a:buFont typeface="Arial"/>
         <a:buChar char="•"/>
-        <a:defRPr sz="1500" kern="1200">
+        <a:defRPr kern="1200" sz="1500">
           <a:solidFill>
             <a:schemeClr val="tx1"/>
           </a:solidFill>
@@ -2940,13 +2940,13 @@
           <a:cs typeface="+mn-cs"/>
         </a:defRPr>
       </a:lvl6pPr>
-      <a:lvl7pPr marL="2400300" indent="-342900" algn="l" defTabSz="342900" rtl="0" eaLnBrk="1" latinLnBrk="0" hangingPunct="1">
+      <a:lvl7pPr algn="l" defTabSz="342900" eaLnBrk="1" hangingPunct="1" indent="-342900" latinLnBrk="0" marL="2400300" rtl="0">
         <a:spcBef>
           <a:spcPct val="20000"/>
         </a:spcBef>
         <a:buFont typeface="Arial"/>
         <a:buChar char="•"/>
-        <a:defRPr sz="1500" kern="1200">
+        <a:defRPr kern="1200" sz="1500">
           <a:solidFill>
             <a:schemeClr val="tx1"/>
           </a:solidFill>
@@ -2955,13 +2955,13 @@
           <a:cs typeface="+mn-cs"/>
         </a:defRPr>
       </a:lvl7pPr>
-      <a:lvl8pPr marL="2743200" indent="-342900" algn="l" defTabSz="342900" rtl="0" eaLnBrk="1" latinLnBrk="0" hangingPunct="1">
+      <a:lvl8pPr algn="l" defTabSz="342900" eaLnBrk="1" hangingPunct="1" indent="-342900" latinLnBrk="0" marL="2743200" rtl="0">
         <a:spcBef>
           <a:spcPct val="20000"/>
         </a:spcBef>
         <a:buFont typeface="Arial"/>
         <a:buChar char="•"/>
-        <a:defRPr sz="1500" kern="1200">
+        <a:defRPr kern="1200" sz="1500">
           <a:solidFill>
             <a:schemeClr val="tx1"/>
           </a:solidFill>
@@ -2970,13 +2970,13 @@
           <a:cs typeface="+mn-cs"/>
         </a:defRPr>
       </a:lvl8pPr>
-      <a:lvl9pPr marL="3086100" indent="-342900" algn="l" defTabSz="342900" rtl="0" eaLnBrk="1" latinLnBrk="0" hangingPunct="1">
+      <a:lvl9pPr algn="l" defTabSz="342900" eaLnBrk="1" hangingPunct="1" indent="-342900" latinLnBrk="0" marL="3086100" rtl="0">
         <a:spcBef>
           <a:spcPct val="20000"/>
         </a:spcBef>
         <a:buFont typeface="Arial"/>
         <a:buChar char="•"/>
-        <a:defRPr sz="1500" kern="1200">
+        <a:defRPr kern="1200" sz="1500">
           <a:solidFill>
             <a:schemeClr val="tx1"/>
           </a:solidFill>
@@ -2990,8 +2990,8 @@
       <a:defPPr>
         <a:defRPr lang="en-US"/>
       </a:defPPr>
-      <a:lvl1pPr marL="0" algn="l" defTabSz="342900" rtl="0" eaLnBrk="1" latinLnBrk="0" hangingPunct="1">
-        <a:defRPr sz="1350" kern="1200">
+      <a:lvl1pPr algn="l" defTabSz="342900" eaLnBrk="1" hangingPunct="1" latinLnBrk="0" marL="0" rtl="0">
+        <a:defRPr kern="1200" sz="1350">
           <a:solidFill>
             <a:schemeClr val="tx1"/>
           </a:solidFill>
@@ -3000,8 +3000,8 @@
           <a:cs typeface="+mn-cs"/>
         </a:defRPr>
       </a:lvl1pPr>
-      <a:lvl2pPr marL="342900" algn="l" defTabSz="342900" rtl="0" eaLnBrk="1" latinLnBrk="0" hangingPunct="1">
-        <a:defRPr sz="1350" kern="1200">
+      <a:lvl2pPr algn="l" defTabSz="342900" eaLnBrk="1" hangingPunct="1" latinLnBrk="0" marL="342900" rtl="0">
+        <a:defRPr kern="1200" sz="1350">
           <a:solidFill>
             <a:schemeClr val="tx1"/>
           </a:solidFill>
@@ -3010,8 +3010,8 @@
           <a:cs typeface="+mn-cs"/>
         </a:defRPr>
       </a:lvl2pPr>
-      <a:lvl3pPr marL="685800" algn="l" defTabSz="342900" rtl="0" eaLnBrk="1" latinLnBrk="0" hangingPunct="1">
-        <a:defRPr sz="1350" kern="1200">
+      <a:lvl3pPr algn="l" defTabSz="342900" eaLnBrk="1" hangingPunct="1" latinLnBrk="0" marL="685800" rtl="0">
+        <a:defRPr kern="1200" sz="1350">
           <a:solidFill>
             <a:schemeClr val="tx1"/>
           </a:solidFill>
@@ -3020,8 +3020,8 @@
           <a:cs typeface="+mn-cs"/>
         </a:defRPr>
       </a:lvl3pPr>
-      <a:lvl4pPr marL="1028700" algn="l" defTabSz="342900" rtl="0" eaLnBrk="1" latinLnBrk="0" hangingPunct="1">
-        <a:defRPr sz="1350" kern="1200">
+      <a:lvl4pPr algn="l" defTabSz="342900" eaLnBrk="1" hangingPunct="1" latinLnBrk="0" marL="1028700" rtl="0">
+        <a:defRPr kern="1200" sz="1350">
           <a:solidFill>
             <a:schemeClr val="tx1"/>
           </a:solidFill>
@@ -3030,8 +3030,8 @@
           <a:cs typeface="+mn-cs"/>
         </a:defRPr>
       </a:lvl4pPr>
-      <a:lvl5pPr marL="1371600" algn="l" defTabSz="342900" rtl="0" eaLnBrk="1" latinLnBrk="0" hangingPunct="1">
-        <a:defRPr sz="1350" kern="1200">
+      <a:lvl5pPr algn="l" defTabSz="342900" eaLnBrk="1" hangingPunct="1" latinLnBrk="0" marL="1371600" rtl="0">
+        <a:defRPr kern="1200" sz="1350">
           <a:solidFill>
             <a:schemeClr val="tx1"/>
           </a:solidFill>
@@ -3040,8 +3040,8 @@
           <a:cs typeface="+mn-cs"/>
         </a:defRPr>
       </a:lvl5pPr>
-      <a:lvl6pPr marL="1714500" algn="l" defTabSz="342900" rtl="0" eaLnBrk="1" latinLnBrk="0" hangingPunct="1">
-        <a:defRPr sz="1350" kern="1200">
+      <a:lvl6pPr algn="l" defTabSz="342900" eaLnBrk="1" hangingPunct="1" latinLnBrk="0" marL="1714500" rtl="0">
+        <a:defRPr kern="1200" sz="1350">
           <a:solidFill>
             <a:schemeClr val="tx1"/>
           </a:solidFill>
@@ -3050,8 +3050,8 @@
           <a:cs typeface="+mn-cs"/>
         </a:defRPr>
       </a:lvl6pPr>
-      <a:lvl7pPr marL="2057400" algn="l" defTabSz="342900" rtl="0" eaLnBrk="1" latinLnBrk="0" hangingPunct="1">
-        <a:defRPr sz="1350" kern="1200">
+      <a:lvl7pPr algn="l" defTabSz="342900" eaLnBrk="1" hangingPunct="1" latinLnBrk="0" marL="2057400" rtl="0">
+        <a:defRPr kern="1200" sz="1350">
           <a:solidFill>
             <a:schemeClr val="tx1"/>
           </a:solidFill>
@@ -3060,8 +3060,8 @@
           <a:cs typeface="+mn-cs"/>
         </a:defRPr>
       </a:lvl7pPr>
-      <a:lvl8pPr marL="2400300" algn="l" defTabSz="342900" rtl="0" eaLnBrk="1" latinLnBrk="0" hangingPunct="1">
-        <a:defRPr sz="1350" kern="1200">
+      <a:lvl8pPr algn="l" defTabSz="342900" eaLnBrk="1" hangingPunct="1" latinLnBrk="0" marL="2400300" rtl="0">
+        <a:defRPr kern="1200" sz="1350">
           <a:solidFill>
             <a:schemeClr val="tx1"/>
           </a:solidFill>
@@ -3070,8 +3070,8 @@
           <a:cs typeface="+mn-cs"/>
         </a:defRPr>
       </a:lvl8pPr>
-      <a:lvl9pPr marL="2743200" algn="l" defTabSz="342900" rtl="0" eaLnBrk="1" latinLnBrk="0" hangingPunct="1">
-        <a:defRPr sz="1350" kern="1200">
+      <a:lvl9pPr algn="l" defTabSz="342900" eaLnBrk="1" hangingPunct="1" latinLnBrk="0" marL="2743200" rtl="0">
+        <a:defRPr kern="1200" sz="1350">
           <a:solidFill>
             <a:schemeClr val="tx1"/>
           </a:solidFill>
@@ -3122,14 +3122,13 @@
           <a:bodyPr/>
           <a:lstStyle/>
           <a:p>
-            <a:pPr marL="0" lvl="0" indent="0">
+            <a:pPr lvl="0" indent="0" marL="0">
               <a:buNone/>
             </a:pPr>
             <a:r>
-              <a:rPr lang="en-GB" dirty="0"/>
-              <a:t>CE103 - Algorithms And Programming I</a:t>
-            </a:r>
-            <a:endParaRPr lang="tr-TR" dirty="0"/>
+              <a:rPr/>
+              <a:t>Sample Course Name</a:t>
+            </a:r>
           </a:p>
         </p:txBody>
       </p:sp>
@@ -3140,7 +3139,7 @@
             <a:spLocks noGrp="1"/>
           </p:cNvSpPr>
           <p:nvPr>
-            <p:ph type="subTitle" idx="1"/>
+            <p:ph idx="1" type="subTitle"/>
           </p:nvPr>
         </p:nvSpPr>
         <p:spPr>
@@ -3153,15 +3152,17 @@
           <a:bodyPr/>
           <a:lstStyle/>
           <a:p>
-            <a:pPr marL="0" lvl="0" indent="0">
+            <a:pPr lvl="0" indent="0" marL="0">
               <a:buNone/>
             </a:pPr>
             <a:r>
+              <a:rPr/>
               <a:t>Sample Course Module Name</a:t>
             </a:r>
             <a:br/>
             <a:br/>
             <a:r>
+              <a:rPr/>
               <a:t>Author: Asst. Prof. Dr. Uğur CORUH</a:t>
             </a:r>
           </a:p>
@@ -3174,26 +3175,26 @@
             <a:spLocks noGrp="1"/>
           </p:cNvSpPr>
           <p:nvPr>
-            <p:ph type="dt" sz="half" idx="10"/>
-          </p:nvPr>
-        </p:nvSpPr>
-        <p:spPr/>
-        <p:txBody>
-          <a:bodyPr/>
-          <a:lstStyle/>
-          <a:p>
-            <a:pPr marL="0" lvl="0" indent="0">
+            <p:ph idx="10" sz="half" type="dt"/>
+          </p:nvPr>
+        </p:nvSpPr>
+        <p:spPr/>
+        <p:txBody>
+          <a:bodyPr/>
+          <a:lstStyle/>
+          <a:p>
+            <a:pPr lvl="0" indent="0" marL="0">
               <a:buNone/>
             </a:pPr>
-            <a:endParaRPr/>
+            <a:r>
+              <a:rPr/>
+              <a:t/>
+            </a:r>
           </a:p>
         </p:txBody>
       </p:sp>
     </p:spTree>
   </p:cSld>
-  <p:clrMapOvr>
-    <a:masterClrMapping/>
-  </p:clrMapOvr>
 </p:sld>
 </file>
 
@@ -3229,54 +3230,28 @@
           <a:bodyPr/>
           <a:lstStyle/>
           <a:p>
-            <a:pPr marL="0" lvl="0" indent="0">
+            <a:pPr lvl="0" indent="0" marL="0">
               <a:spcBef>
                 <a:spcPts val="3000"/>
               </a:spcBef>
               <a:buNone/>
             </a:pPr>
             <a:r>
-              <a:rPr b="1" dirty="0"/>
+              <a:rPr b="1"/>
               <a:t>Arrays</a:t>
             </a:r>
           </a:p>
-        </p:txBody>
-      </p:sp>
-      <p:pic>
-        <p:nvPicPr>
-          <p:cNvPr id="4" name="Resim 3">
-            <a:extLst>
-              <a:ext uri="{FF2B5EF4-FFF2-40B4-BE49-F238E27FC236}">
-                <a16:creationId xmlns:a16="http://schemas.microsoft.com/office/drawing/2014/main" id="{4F5B2ABC-8876-9151-D45F-E5C05BAE8F1E}"/>
-              </a:ext>
-            </a:extLst>
-          </p:cNvPr>
-          <p:cNvPicPr>
-            <a:picLocks noChangeAspect="1"/>
-          </p:cNvPicPr>
-          <p:nvPr/>
-        </p:nvPicPr>
-        <p:blipFill>
-          <a:blip r:embed="rId2"/>
-          <a:stretch>
-            <a:fillRect/>
-          </a:stretch>
-        </p:blipFill>
-        <p:spPr>
-          <a:xfrm>
-            <a:off x="3182111" y="548877"/>
-            <a:ext cx="4656145" cy="3630535"/>
-          </a:xfrm>
-          <a:prstGeom prst="rect">
-            <a:avLst/>
-          </a:prstGeom>
-        </p:spPr>
-      </p:pic>
+          <a:p>
+            <a:pPr lvl="0"/>
+            <a:r>
+              <a:rPr/>
+              <a:t>center h:500px</a:t>
+            </a:r>
+          </a:p>
+        </p:txBody>
+      </p:sp>
     </p:spTree>
   </p:cSld>
-  <p:clrMapOvr>
-    <a:masterClrMapping/>
-  </p:clrMapOvr>
 </p:sld>
 </file>
 
@@ -3312,31 +3287,37 @@
           <a:bodyPr/>
           <a:lstStyle/>
           <a:p>
-            <a:pPr marL="0" lvl="0" indent="0">
+            <a:pPr lvl="0" indent="0" marL="0">
               <a:spcBef>
                 <a:spcPts val="3000"/>
               </a:spcBef>
               <a:buNone/>
             </a:pPr>
             <a:r>
-              <a:rPr b="1" dirty="0"/>
+              <a:rPr b="1"/>
               <a:t>Linked-List</a:t>
             </a:r>
           </a:p>
           <a:p>
             <a:pPr lvl="0"/>
             <a:r>
-              <a:rPr dirty="0"/>
+              <a:rPr/>
               <a:t>Linked lists are structures that allow us to keep data without having to side by side. We do not need to open a new area in memory for the new element. Unlike Array, yes elements can be scattered in the memory, but the last element has to give its address to the previous element.</a:t>
+            </a:r>
+          </a:p>
+          <a:p>
+            <a:pPr lvl="1" indent="0" marL="342900">
+              <a:buNone/>
+            </a:pPr>
+            <a:r>
+              <a:rPr/>
+              <a:t>bg right:50% h:400px</a:t>
             </a:r>
           </a:p>
         </p:txBody>
       </p:sp>
     </p:spTree>
   </p:cSld>
-  <p:clrMapOvr>
-    <a:masterClrMapping/>
-  </p:clrMapOvr>
 </p:sld>
 </file>
 
@@ -3372,10 +3353,11 @@
           <a:bodyPr/>
           <a:lstStyle/>
           <a:p>
-            <a:pPr marL="0" lvl="0" indent="0">
+            <a:pPr lvl="0" indent="0" marL="0">
               <a:buNone/>
             </a:pPr>
             <a:r>
+              <a:rPr/>
               <a:t>References</a:t>
             </a:r>
           </a:p>
@@ -3398,24 +3380,28 @@
           <a:p>
             <a:pPr lvl="0"/>
             <a:r>
+              <a:rPr/>
               <a:t>https://app.patika.dev/courses/veri-yapilari-ve-algoritmalar/algoritma-nedir</a:t>
             </a:r>
           </a:p>
           <a:p>
             <a:pPr lvl="0"/>
             <a:r>
+              <a:rPr/>
               <a:t>https://app.patika.dev/courses/veri-yapilari-ve-algoritmalar/bilgi-ifade</a:t>
             </a:r>
           </a:p>
           <a:p>
             <a:pPr lvl="0"/>
             <a:r>
+              <a:rPr/>
               <a:t>https://app.patika.dev/courses/veri-yapilari-ve-algoritmalar/sayi-sistem</a:t>
             </a:r>
           </a:p>
           <a:p>
             <a:pPr lvl="0"/>
             <a:r>
+              <a:rPr/>
               <a:t>https://app.patika.dev/courses/veri-yapilari-ve-algoritmalar/linked-list</a:t>
             </a:r>
           </a:p>
@@ -3423,9 +3409,6 @@
       </p:sp>
     </p:spTree>
   </p:cSld>
-  <p:clrMapOvr>
-    <a:masterClrMapping/>
-  </p:clrMapOvr>
 </p:sld>
 </file>
 
@@ -3463,104 +3446,92 @@
               <a:bodyPr/>
               <a:lstStyle/>
               <a:p>
-                <a:pPr marL="0" lvl="0" indent="0">
+                <a:pPr lvl="0" indent="0" marL="0">
                   <a:buNone/>
                 </a:pPr>
                 <a14:m>
-                  <m:oMathPara xmlns:m="http://schemas.openxmlformats.org/officeDocument/2006/math">
-                    <m:oMathParaPr>
-                      <m:jc m:val="centerGroup"/>
-                    </m:oMathParaPr>
-                    <m:oMath xmlns:m="http://schemas.openxmlformats.org/officeDocument/2006/math">
-                      <m:r>
-                        <a:rPr>
-                          <a:latin typeface="Cambria Math" panose="02040503050406030204" pitchFamily="18" charset="0"/>
-                        </a:rPr>
-                        <m:t>𝐸𝑛𝑑</m:t>
-                      </m:r>
-                      <m:r>
-                        <a:rPr>
-                          <a:latin typeface="Cambria Math" panose="02040503050406030204" pitchFamily="18" charset="0"/>
-                        </a:rPr>
-                        <m:t>−</m:t>
-                      </m:r>
-                      <m:r>
-                        <a:rPr>
-                          <a:latin typeface="Cambria Math" panose="02040503050406030204" pitchFamily="18" charset="0"/>
-                        </a:rPr>
-                        <m:t>𝑂𝑓</m:t>
-                      </m:r>
-                      <m:r>
-                        <a:rPr>
-                          <a:latin typeface="Cambria Math" panose="02040503050406030204" pitchFamily="18" charset="0"/>
-                        </a:rPr>
-                        <m:t>−</m:t>
-                      </m:r>
-                      <m:r>
-                        <a:rPr>
-                          <a:latin typeface="Cambria Math" panose="02040503050406030204" pitchFamily="18" charset="0"/>
-                        </a:rPr>
-                        <m:t>𝑊𝑒𝑒𝑘</m:t>
-                      </m:r>
-                      <m:r>
-                        <a:rPr>
-                          <a:latin typeface="Cambria Math" panose="02040503050406030204" pitchFamily="18" charset="0"/>
-                        </a:rPr>
-                        <m:t>−2−</m:t>
-                      </m:r>
-                      <m:r>
-                        <a:rPr>
-                          <a:latin typeface="Cambria Math" panose="02040503050406030204" pitchFamily="18" charset="0"/>
-                        </a:rPr>
-                        <m:t>𝑀𝑜𝑑𝑢𝑙𝑒</m:t>
-                      </m:r>
-                    </m:oMath>
-                  </m:oMathPara>
+                  <m:oMath xmlns:m="http://schemas.openxmlformats.org/officeDocument/2006/math">
+                    <m:r>
+                      <m:t>E</m:t>
+                    </m:r>
+                    <m:r>
+                      <m:t>n</m:t>
+                    </m:r>
+                    <m:r>
+                      <m:t>d</m:t>
+                    </m:r>
+                    <m:r>
+                      <m:rPr>
+                        <m:sty m:val="p"/>
+                      </m:rPr>
+                      <m:t>−</m:t>
+                    </m:r>
+                    <m:r>
+                      <m:t>O</m:t>
+                    </m:r>
+                    <m:r>
+                      <m:t>f</m:t>
+                    </m:r>
+                    <m:r>
+                      <m:rPr>
+                        <m:sty m:val="p"/>
+                      </m:rPr>
+                      <m:t>−</m:t>
+                    </m:r>
+                    <m:r>
+                      <m:t>W</m:t>
+                    </m:r>
+                    <m:r>
+                      <m:t>e</m:t>
+                    </m:r>
+                    <m:r>
+                      <m:t>e</m:t>
+                    </m:r>
+                    <m:r>
+                      <m:t>k</m:t>
+                    </m:r>
+                    <m:r>
+                      <m:rPr>
+                        <m:sty m:val="p"/>
+                      </m:rPr>
+                      <m:t>−</m:t>
+                    </m:r>
+                    <m:r>
+                      <m:t>2</m:t>
+                    </m:r>
+                    <m:r>
+                      <m:rPr>
+                        <m:sty m:val="p"/>
+                      </m:rPr>
+                      <m:t>−</m:t>
+                    </m:r>
+                    <m:r>
+                      <m:t>M</m:t>
+                    </m:r>
+                    <m:r>
+                      <m:t>o</m:t>
+                    </m:r>
+                    <m:r>
+                      <m:t>d</m:t>
+                    </m:r>
+                    <m:r>
+                      <m:t>u</m:t>
+                    </m:r>
+                    <m:r>
+                      <m:t>l</m:t>
+                    </m:r>
+                    <m:r>
+                      <m:t>e</m:t>
+                    </m:r>
+                  </m:oMath>
                 </a14:m>
-                <a:endParaRPr/>
               </a:p>
             </p:txBody>
           </p:sp>
         </mc:Choice>
-        <mc:Fallback>
-          <p:sp>
-            <p:nvSpPr>
-              <p:cNvPr id="3" name="Content Placeholder 2"/>
-              <p:cNvSpPr>
-                <a:spLocks noGrp="1" noRot="1" noChangeAspect="1" noMove="1" noResize="1" noEditPoints="1" noAdjustHandles="1" noChangeArrowheads="1" noChangeShapeType="1" noTextEdit="1"/>
-              </p:cNvSpPr>
-              <p:nvPr>
-                <p:ph idx="1"/>
-              </p:nvPr>
-            </p:nvSpPr>
-            <p:spPr>
-              <a:blipFill>
-                <a:blip r:embed="rId2"/>
-                <a:stretch>
-                  <a:fillRect/>
-                </a:stretch>
-              </a:blipFill>
-            </p:spPr>
-            <p:txBody>
-              <a:bodyPr/>
-              <a:lstStyle/>
-              <a:p>
-                <a:r>
-                  <a:rPr lang="tr-TR">
-                    <a:noFill/>
-                  </a:rPr>
-                  <a:t> </a:t>
-                </a:r>
-              </a:p>
-            </p:txBody>
-          </p:sp>
-        </mc:Fallback>
       </mc:AlternateContent>
     </p:spTree>
   </p:cSld>
-  <p:clrMapOvr>
-    <a:masterClrMapping/>
-  </p:clrMapOvr>
 </p:sld>
 </file>
 
@@ -3596,10 +3567,13 @@
           <a:bodyPr/>
           <a:lstStyle/>
           <a:p>
-            <a:pPr marL="0" lvl="0" indent="0">
+            <a:pPr lvl="0" indent="0" marL="0">
               <a:buNone/>
             </a:pPr>
-            <a:endParaRPr dirty="0"/>
+            <a:r>
+              <a:rPr/>
+              <a:t>Sample Course Name</a:t>
+            </a:r>
           </a:p>
         </p:txBody>
       </p:sp>
@@ -3618,7 +3592,7 @@
           <a:bodyPr/>
           <a:lstStyle/>
           <a:p>
-            <a:pPr marL="0" lvl="0" indent="0">
+            <a:pPr lvl="0" indent="0" marL="0">
               <a:spcBef>
                 <a:spcPts val="3000"/>
               </a:spcBef>
@@ -3630,7 +3604,7 @@
             </a:r>
           </a:p>
           <a:p>
-            <a:pPr marL="0" lvl="0" indent="0">
+            <a:pPr lvl="0" indent="0" marL="0">
               <a:spcBef>
                 <a:spcPts val="3000"/>
               </a:spcBef>
@@ -3642,10 +3616,11 @@
             </a:r>
           </a:p>
           <a:p>
-            <a:pPr marL="0" lvl="0" indent="0">
+            <a:pPr lvl="0" indent="0" marL="0">
               <a:buNone/>
             </a:pPr>
             <a:r>
+              <a:rPr/>
               <a:t>Download </a:t>
             </a:r>
             <a:r>
@@ -3655,6 +3630,7 @@
               <a:t>DOC</a:t>
             </a:r>
             <a:r>
+              <a:rPr/>
               <a:t>, </a:t>
             </a:r>
             <a:r>
@@ -3664,6 +3640,7 @@
               <a:t>SLIDE</a:t>
             </a:r>
             <a:r>
+              <a:rPr/>
               <a:t>, </a:t>
             </a:r>
             <a:r>
@@ -3677,9 +3654,6 @@
       </p:sp>
     </p:spTree>
   </p:cSld>
-  <p:clrMapOvr>
-    <a:masterClrMapping/>
-  </p:clrMapOvr>
 </p:sld>
 </file>
 
@@ -3715,7 +3689,7 @@
           <a:bodyPr/>
           <a:lstStyle/>
           <a:p>
-            <a:pPr marL="0" lvl="0" indent="0">
+            <a:pPr lvl="0" indent="0" marL="0">
               <a:spcBef>
                 <a:spcPts val="3000"/>
               </a:spcBef>
@@ -3729,24 +3703,28 @@
           <a:p>
             <a:pPr lvl="0"/>
             <a:r>
+              <a:rPr/>
               <a:t>What is an Algorithm?</a:t>
             </a:r>
           </a:p>
           <a:p>
             <a:pPr lvl="0"/>
             <a:r>
+              <a:rPr/>
               <a:t>Expression of Information on the Computer</a:t>
             </a:r>
           </a:p>
           <a:p>
             <a:pPr lvl="0"/>
             <a:r>
+              <a:rPr/>
               <a:t>Arrays</a:t>
             </a:r>
           </a:p>
           <a:p>
             <a:pPr lvl="0"/>
             <a:r>
+              <a:rPr/>
               <a:t>Linked-List</a:t>
             </a:r>
           </a:p>
@@ -3754,9 +3732,6 @@
       </p:sp>
     </p:spTree>
   </p:cSld>
-  <p:clrMapOvr>
-    <a:masterClrMapping/>
-  </p:clrMapOvr>
 </p:sld>
 </file>
 
@@ -3787,21 +3762,16 @@
             <p:ph type="title"/>
           </p:nvPr>
         </p:nvSpPr>
-        <p:spPr>
-          <a:xfrm>
-            <a:off x="-914400" y="2339579"/>
-            <a:ext cx="5297424" cy="857250"/>
-          </a:xfrm>
-        </p:spPr>
-        <p:txBody>
-          <a:bodyPr/>
-          <a:lstStyle/>
-          <a:p>
-            <a:pPr marL="0" lvl="0" indent="0">
+        <p:spPr/>
+        <p:txBody>
+          <a:bodyPr/>
+          <a:lstStyle/>
+          <a:p>
+            <a:pPr lvl="0" indent="0" marL="0">
               <a:buNone/>
             </a:pPr>
             <a:r>
-              <a:rPr b="1" dirty="0"/>
+              <a:rPr b="1"/>
               <a:t>Algorithm</a:t>
             </a:r>
           </a:p>
@@ -3809,9 +3779,6 @@
       </p:sp>
     </p:spTree>
   </p:cSld>
-  <p:clrMapOvr>
-    <a:masterClrMapping/>
-  </p:clrMapOvr>
 </p:sld>
 </file>
 
@@ -3847,7 +3814,7 @@
           <a:bodyPr/>
           <a:lstStyle/>
           <a:p>
-            <a:pPr marL="0" lvl="0" indent="0">
+            <a:pPr lvl="0" indent="0" marL="0">
               <a:spcBef>
                 <a:spcPts val="3000"/>
               </a:spcBef>
@@ -3865,6 +3832,7 @@
               <a:t>What is an Algorithm?</a:t>
             </a:r>
             <a:r>
+              <a:rPr/>
               <a:t> The algorithm emerged as a result of his research in the field of algebra in the 9th century by Harezmi, known as the ancestor and founder of algebra. Because the Europeans could not pronounce the name Khwarezmi, they used it as algorism (rules for solving arithmetic problems using Arabic numbers). The algorithm was later called “algorithm”. center h:300px</a:t>
             </a:r>
           </a:p>
@@ -3872,9 +3840,6 @@
       </p:sp>
     </p:spTree>
   </p:cSld>
-  <p:clrMapOvr>
-    <a:masterClrMapping/>
-  </p:clrMapOvr>
 </p:sld>
 </file>
 
@@ -3907,12 +3872,10 @@
         </p:nvSpPr>
         <p:spPr/>
         <p:txBody>
-          <a:bodyPr>
-            <a:normAutofit lnSpcReduction="10000"/>
-          </a:bodyPr>
-          <a:lstStyle/>
-          <a:p>
-            <a:pPr marL="0" lvl="0" indent="0">
+          <a:bodyPr/>
+          <a:lstStyle/>
+          <a:p>
+            <a:pPr lvl="0" indent="0" marL="0">
               <a:spcBef>
                 <a:spcPts val="3000"/>
               </a:spcBef>
@@ -3930,6 +3893,7 @@
               <a:t>What is an Algorithm?</a:t>
             </a:r>
             <a:r>
+              <a:rPr/>
               <a:t> As you can see, our main problem is that the computer does not work. The first step is to check if the power cord is plugged in. If the answer to this step is No, we need to plug in the power cable, the answer is Yes, and if our computer still does not work, we need to perform the next step. The second step, after examining the condition of the extension cable, concludes that if our computer still does not work, we need to take it for repair.</a:t>
             </a:r>
           </a:p>
@@ -3937,9 +3901,6 @@
       </p:sp>
     </p:spTree>
   </p:cSld>
-  <p:clrMapOvr>
-    <a:masterClrMapping/>
-  </p:clrMapOvr>
 </p:sld>
 </file>
 
@@ -3967,31 +3928,29 @@
             <a:spLocks noGrp="1"/>
           </p:cNvSpPr>
           <p:nvPr>
-            <p:ph type="body" sz="half" idx="2"/>
-          </p:nvPr>
-        </p:nvSpPr>
-        <p:spPr/>
-        <p:txBody>
-          <a:bodyPr>
-            <a:normAutofit/>
-          </a:bodyPr>
-          <a:lstStyle/>
-          <a:p>
-            <a:pPr marL="0" lvl="0" indent="0">
+            <p:ph idx="2" sz="half" type="body"/>
+          </p:nvPr>
+        </p:nvSpPr>
+        <p:spPr/>
+        <p:txBody>
+          <a:bodyPr/>
+          <a:lstStyle/>
+          <a:p>
+            <a:pPr lvl="0" indent="0" marL="0">
               <a:spcBef>
                 <a:spcPts val="3000"/>
               </a:spcBef>
               <a:buNone/>
             </a:pPr>
             <a:r>
-              <a:rPr sz="2000" b="1" dirty="0"/>
+              <a:rPr b="1"/>
               <a:t>Expression of Information on the Computer</a:t>
             </a:r>
           </a:p>
           <a:p>
             <a:pPr lvl="0"/>
             <a:r>
-              <a:rPr sz="2000" dirty="0"/>
+              <a:rPr/>
               <a:t>When a person wants to express himself, he uses a native language, right? The computer also uses binary numbers (Binary Numbers) consisting of bits (0 and 1) to express information (Picture, sound, text, etc.) and to provide the loop.</a:t>
             </a:r>
           </a:p>
@@ -3999,7 +3958,7 @@
       </p:sp>
       <p:pic>
         <p:nvPicPr>
-          <p:cNvPr id="2" name="Picture 1" descr="fig:  assets/Binary.jpg"/>
+          <p:cNvPr descr="fig:  assets/Binary.jpg" id="0" name="Picture 1"/>
           <p:cNvPicPr>
             <a:picLocks noGrp="1" noChangeAspect="1"/>
           </p:cNvPicPr>
@@ -4029,7 +3988,7 @@
       </p:pic>
       <p:sp>
         <p:nvSpPr>
-          <p:cNvPr id="3" name="TextBox 3"/>
+          <p:cNvPr id="1" name="TextBox 3"/>
           <p:cNvSpPr txBox="1"/>
           <p:nvPr/>
         </p:nvSpPr>
@@ -4047,18 +4006,18 @@
           <a:bodyPr/>
           <a:lstStyle/>
           <a:p>
-            <a:pPr marL="0" lvl="0" indent="0" algn="ctr">
+            <a:pPr lvl="0" indent="0" marL="0" algn="ctr">
               <a:buNone/>
             </a:pPr>
-            <a:endParaRPr dirty="0"/>
+            <a:r>
+              <a:rPr/>
+              <a:t>bg right:50% h:300px</a:t>
+            </a:r>
           </a:p>
         </p:txBody>
       </p:sp>
     </p:spTree>
   </p:cSld>
-  <p:clrMapOvr>
-    <a:masterClrMapping/>
-  </p:clrMapOvr>
 </p:sld>
 </file>
 
@@ -4094,7 +4053,7 @@
           <a:bodyPr/>
           <a:lstStyle/>
           <a:p>
-            <a:pPr marL="0" lvl="0" indent="0">
+            <a:pPr lvl="0" indent="0" marL="0">
               <a:spcBef>
                 <a:spcPts val="3000"/>
               </a:spcBef>
@@ -4108,6 +4067,7 @@
           <a:p>
             <a:pPr lvl="0"/>
             <a:r>
+              <a:rPr/>
               <a:t>The numbers 1 and 0 (bits) in binary numbers indicate whether the transistors used by the computer for electrical transmission are on or off. Transistors have two commands, 0 (close) and 1 (open).</a:t>
             </a:r>
           </a:p>
@@ -4115,9 +4075,6 @@
       </p:sp>
     </p:spTree>
   </p:cSld>
-  <p:clrMapOvr>
-    <a:masterClrMapping/>
-  </p:clrMapOvr>
 </p:sld>
 </file>
 
@@ -4148,33 +4105,26 @@
             <p:ph idx="1"/>
           </p:nvPr>
         </p:nvSpPr>
-        <p:spPr>
-          <a:xfrm>
-            <a:off x="457200" y="261367"/>
-            <a:ext cx="8229600" cy="3394472"/>
-          </a:xfrm>
-        </p:spPr>
-        <p:txBody>
-          <a:bodyPr>
-            <a:normAutofit fontScale="92500" lnSpcReduction="20000"/>
-          </a:bodyPr>
-          <a:lstStyle/>
-          <a:p>
-            <a:pPr marL="0" lvl="0" indent="0">
+        <p:spPr/>
+        <p:txBody>
+          <a:bodyPr/>
+          <a:lstStyle/>
+          <a:p>
+            <a:pPr lvl="0" indent="0" marL="0">
               <a:spcBef>
                 <a:spcPts val="3000"/>
               </a:spcBef>
               <a:buNone/>
             </a:pPr>
             <a:r>
-              <a:rPr b="1" dirty="0"/>
+              <a:rPr b="1"/>
               <a:t>Arrays</a:t>
             </a:r>
           </a:p>
           <a:p>
             <a:pPr lvl="0"/>
             <a:r>
-              <a:rPr dirty="0"/>
+              <a:rPr/>
               <a:t>Arrays may need more than one object to make sense. For example, let’s examine the computer example you are facing right now. Desktop computers make sense when they combine the keyboard-mouse-monitor trio. It is possible to make a trade without anyone, but it is difficult. Let’s examine the memory problem, which is one of the array’s drawbacks. Let’s continue with our computer example. We already have a keyboard, a mouse and a monitor. When we get a new monitor we need a bigger desk. The same is true when we buy a new keyboard or mouse. We lose time and power while moving from one place to another.</a:t>
             </a:r>
           </a:p>
@@ -4182,9 +4132,6 @@
       </p:sp>
     </p:spTree>
   </p:cSld>
-  <p:clrMapOvr>
-    <a:masterClrMapping/>
-  </p:clrMapOvr>
 </p:sld>
 </file>
 
@@ -4506,4 +4453,265 @@
   </a:objectDefaults>
   <a:extraClrSchemeLst/>
 </a:theme>
+</file>
+
+<file path=ppt/theme/theme2.xml><?xml version="1.0" encoding="utf-8"?>
+<a:theme xmlns:a="http://schemas.openxmlformats.org/drawingml/2006/main" name="Office Theme">
+  <a:themeElements>
+    <a:clrScheme name="Office">
+      <a:dk1>
+        <a:sysClr val="windowText" lastClr="000000"/>
+      </a:dk1>
+      <a:lt1>
+        <a:sysClr val="window" lastClr="FFFFFF"/>
+      </a:lt1>
+      <a:dk2>
+        <a:srgbClr val="44546A"/>
+      </a:dk2>
+      <a:lt2>
+        <a:srgbClr val="E7E6E6"/>
+      </a:lt2>
+      <a:accent1>
+        <a:srgbClr val="5B9BD5"/>
+      </a:accent1>
+      <a:accent2>
+        <a:srgbClr val="ED7D31"/>
+      </a:accent2>
+      <a:accent3>
+        <a:srgbClr val="A5A5A5"/>
+      </a:accent3>
+      <a:accent4>
+        <a:srgbClr val="FFC000"/>
+      </a:accent4>
+      <a:accent5>
+        <a:srgbClr val="4472C4"/>
+      </a:accent5>
+      <a:accent6>
+        <a:srgbClr val="70AD47"/>
+      </a:accent6>
+      <a:hlink>
+        <a:srgbClr val="0563C1"/>
+      </a:hlink>
+      <a:folHlink>
+        <a:srgbClr val="954F72"/>
+      </a:folHlink>
+    </a:clrScheme>
+    <a:fontScheme name="Office">
+      <a:majorFont>
+        <a:latin typeface="Calibri Light" panose="020F0302020204030204"/>
+        <a:ea typeface=""/>
+        <a:cs typeface=""/>
+        <a:font script="Jpan" typeface="ＭＳ Ｐゴシック"/>
+        <a:font script="Hang" typeface="맑은 고딕"/>
+        <a:font script="Hans" typeface="宋体"/>
+        <a:font script="Hant" typeface="新細明體"/>
+        <a:font script="Arab" typeface="Times New Roman"/>
+        <a:font script="Hebr" typeface="Times New Roman"/>
+        <a:font script="Thai" typeface="Angsana New"/>
+        <a:font script="Ethi" typeface="Nyala"/>
+        <a:font script="Beng" typeface="Vrinda"/>
+        <a:font script="Gujr" typeface="Shruti"/>
+        <a:font script="Khmr" typeface="MoolBoran"/>
+        <a:font script="Knda" typeface="Tunga"/>
+        <a:font script="Guru" typeface="Raavi"/>
+        <a:font script="Cans" typeface="Euphemia"/>
+        <a:font script="Cher" typeface="Plantagenet Cherokee"/>
+        <a:font script="Yiii" typeface="Microsoft Yi Baiti"/>
+        <a:font script="Tibt" typeface="Microsoft Himalaya"/>
+        <a:font script="Thaa" typeface="MV Boli"/>
+        <a:font script="Deva" typeface="Mangal"/>
+        <a:font script="Telu" typeface="Gautami"/>
+        <a:font script="Taml" typeface="Latha"/>
+        <a:font script="Syrc" typeface="Estrangelo Edessa"/>
+        <a:font script="Orya" typeface="Kalinga"/>
+        <a:font script="Mlym" typeface="Kartika"/>
+        <a:font script="Laoo" typeface="DokChampa"/>
+        <a:font script="Sinh" typeface="Iskoola Pota"/>
+        <a:font script="Mong" typeface="Mongolian Baiti"/>
+        <a:font script="Viet" typeface="Times New Roman"/>
+        <a:font script="Uigh" typeface="Microsoft Uighur"/>
+        <a:font script="Geor" typeface="Sylfaen"/>
+      </a:majorFont>
+      <a:minorFont>
+        <a:latin typeface="Calibri" panose="020F0502020204030204"/>
+        <a:ea typeface=""/>
+        <a:cs typeface=""/>
+        <a:font script="Jpan" typeface="ＭＳ Ｐゴシック"/>
+        <a:font script="Hang" typeface="맑은 고딕"/>
+        <a:font script="Hans" typeface="宋体"/>
+        <a:font script="Hant" typeface="新細明體"/>
+        <a:font script="Arab" typeface="Arial"/>
+        <a:font script="Hebr" typeface="Arial"/>
+        <a:font script="Thai" typeface="Cordia New"/>
+        <a:font script="Ethi" typeface="Nyala"/>
+        <a:font script="Beng" typeface="Vrinda"/>
+        <a:font script="Gujr" typeface="Shruti"/>
+        <a:font script="Khmr" typeface="DaunPenh"/>
+        <a:font script="Knda" typeface="Tunga"/>
+        <a:font script="Guru" typeface="Raavi"/>
+        <a:font script="Cans" typeface="Euphemia"/>
+        <a:font script="Cher" typeface="Plantagenet Cherokee"/>
+        <a:font script="Yiii" typeface="Microsoft Yi Baiti"/>
+        <a:font script="Tibt" typeface="Microsoft Himalaya"/>
+        <a:font script="Thaa" typeface="MV Boli"/>
+        <a:font script="Deva" typeface="Mangal"/>
+        <a:font script="Telu" typeface="Gautami"/>
+        <a:font script="Taml" typeface="Latha"/>
+        <a:font script="Syrc" typeface="Estrangelo Edessa"/>
+        <a:font script="Orya" typeface="Kalinga"/>
+        <a:font script="Mlym" typeface="Kartika"/>
+        <a:font script="Laoo" typeface="DokChampa"/>
+        <a:font script="Sinh" typeface="Iskoola Pota"/>
+        <a:font script="Mong" typeface="Mongolian Baiti"/>
+        <a:font script="Viet" typeface="Arial"/>
+        <a:font script="Uigh" typeface="Microsoft Uighur"/>
+        <a:font script="Geor" typeface="Sylfaen"/>
+      </a:minorFont>
+    </a:fontScheme>
+    <a:fmtScheme name="Office">
+      <a:fillStyleLst>
+        <a:solidFill>
+          <a:schemeClr val="phClr"/>
+        </a:solidFill>
+        <a:gradFill rotWithShape="1">
+          <a:gsLst>
+            <a:gs pos="0">
+              <a:schemeClr val="phClr">
+                <a:lumMod val="110000"/>
+                <a:satMod val="105000"/>
+                <a:tint val="67000"/>
+              </a:schemeClr>
+            </a:gs>
+            <a:gs pos="50000">
+              <a:schemeClr val="phClr">
+                <a:lumMod val="105000"/>
+                <a:satMod val="103000"/>
+                <a:tint val="73000"/>
+              </a:schemeClr>
+            </a:gs>
+            <a:gs pos="100000">
+              <a:schemeClr val="phClr">
+                <a:lumMod val="105000"/>
+                <a:satMod val="109000"/>
+                <a:tint val="81000"/>
+              </a:schemeClr>
+            </a:gs>
+          </a:gsLst>
+          <a:lin ang="5400000" scaled="0"/>
+        </a:gradFill>
+        <a:gradFill rotWithShape="1">
+          <a:gsLst>
+            <a:gs pos="0">
+              <a:schemeClr val="phClr">
+                <a:satMod val="103000"/>
+                <a:lumMod val="102000"/>
+                <a:tint val="94000"/>
+              </a:schemeClr>
+            </a:gs>
+            <a:gs pos="50000">
+              <a:schemeClr val="phClr">
+                <a:satMod val="110000"/>
+                <a:lumMod val="100000"/>
+                <a:shade val="100000"/>
+              </a:schemeClr>
+            </a:gs>
+            <a:gs pos="100000">
+              <a:schemeClr val="phClr">
+                <a:lumMod val="99000"/>
+                <a:satMod val="120000"/>
+                <a:shade val="78000"/>
+              </a:schemeClr>
+            </a:gs>
+          </a:gsLst>
+          <a:lin ang="5400000" scaled="0"/>
+        </a:gradFill>
+      </a:fillStyleLst>
+      <a:lnStyleLst>
+        <a:ln w="6350" cap="flat" cmpd="sng" algn="ctr">
+          <a:solidFill>
+            <a:schemeClr val="phClr"/>
+          </a:solidFill>
+          <a:prstDash val="solid"/>
+          <a:miter lim="800000"/>
+        </a:ln>
+        <a:ln w="12700" cap="flat" cmpd="sng" algn="ctr">
+          <a:solidFill>
+            <a:schemeClr val="phClr"/>
+          </a:solidFill>
+          <a:prstDash val="solid"/>
+          <a:miter lim="800000"/>
+        </a:ln>
+        <a:ln w="19050" cap="flat" cmpd="sng" algn="ctr">
+          <a:solidFill>
+            <a:schemeClr val="phClr"/>
+          </a:solidFill>
+          <a:prstDash val="solid"/>
+          <a:miter lim="800000"/>
+        </a:ln>
+      </a:lnStyleLst>
+      <a:effectStyleLst>
+        <a:effectStyle>
+          <a:effectLst/>
+        </a:effectStyle>
+        <a:effectStyle>
+          <a:effectLst/>
+        </a:effectStyle>
+        <a:effectStyle>
+          <a:effectLst>
+            <a:outerShdw blurRad="57150" dist="19050" dir="5400000" algn="ctr" rotWithShape="0">
+              <a:srgbClr val="000000">
+                <a:alpha val="63000"/>
+              </a:srgbClr>
+            </a:outerShdw>
+          </a:effectLst>
+        </a:effectStyle>
+      </a:effectStyleLst>
+      <a:bgFillStyleLst>
+        <a:solidFill>
+          <a:schemeClr val="phClr"/>
+        </a:solidFill>
+        <a:solidFill>
+          <a:schemeClr val="phClr">
+            <a:tint val="95000"/>
+            <a:satMod val="170000"/>
+          </a:schemeClr>
+        </a:solidFill>
+        <a:gradFill rotWithShape="1">
+          <a:gsLst>
+            <a:gs pos="0">
+              <a:schemeClr val="phClr">
+                <a:tint val="93000"/>
+                <a:satMod val="150000"/>
+                <a:shade val="98000"/>
+                <a:lumMod val="102000"/>
+              </a:schemeClr>
+            </a:gs>
+            <a:gs pos="50000">
+              <a:schemeClr val="phClr">
+                <a:tint val="98000"/>
+                <a:satMod val="130000"/>
+                <a:shade val="90000"/>
+                <a:lumMod val="103000"/>
+              </a:schemeClr>
+            </a:gs>
+            <a:gs pos="100000">
+              <a:schemeClr val="phClr">
+                <a:shade val="63000"/>
+                <a:satMod val="120000"/>
+              </a:schemeClr>
+            </a:gs>
+          </a:gsLst>
+          <a:lin ang="5400000" scaled="0"/>
+        </a:gradFill>
+      </a:bgFillStyleLst>
+    </a:fmtScheme>
+  </a:themeElements>
+  <a:objectDefaults/>
+  <a:extraClrSchemeLst/>
+  <a:extLst>
+    <a:ext uri="{05A4C25C-085E-4340-85A3-A5531E510DB2}">
+      <thm15:themeFamily xmlns:thm15="http://schemas.microsoft.com/office/thememl/2012/main" name="Office Theme" id="{62F939B6-93AF-4DB8-9C6B-D6C7DFDC589F}" vid="{4A3C46E8-61CC-4603-A589-7422A47A8E4A}"/>
+    </a:ext>
+  </a:extLst>
+</a:theme>
 </file>